--- a/presentation/PPDS.pptx
+++ b/presentation/PPDS.pptx
@@ -9517,7 +9517,23 @@
             </a:r>
             <a:r>
               <a:rPr lang="en-CH"/>
-              <a:t>factors =&gt;</a:t>
+              <a:t>factors </a:t>
+            </a:r>
+            <a:endParaRPr lang="fr-FR" dirty="0"/>
+          </a:p>
+          <a:p>
+            <a:pPr>
+              <a:lnSpc>
+                <a:spcPct val="200000"/>
+              </a:lnSpc>
+            </a:pPr>
+            <a:r>
+              <a:rPr lang="fr-FR" dirty="0"/>
+              <a:t>     </a:t>
+            </a:r>
+            <a:r>
+              <a:rPr lang="en-CH"/>
+              <a:t>=&gt;</a:t>
             </a:r>
             <a:r>
               <a:rPr lang="fr-FR" dirty="0"/>
@@ -11443,7 +11459,12 @@
             <p:ph idx="1"/>
           </p:nvPr>
         </p:nvSpPr>
-        <p:spPr/>
+        <p:spPr>
+          <a:xfrm>
+            <a:off x="695999" y="2219552"/>
+            <a:ext cx="10728325" cy="2418896"/>
+          </a:xfrm>
+        </p:spPr>
         <p:txBody>
           <a:bodyPr/>
           <a:lstStyle/>
@@ -12938,7 +12959,7 @@
           <a:lstStyle/>
           <a:p>
             <a:r>
-              <a:rPr lang="en-US" sz="2800" dirty="0"/>
+              <a:rPr lang="en-US" sz="3600" dirty="0"/>
               <a:t>Task description :</a:t>
             </a:r>
           </a:p>
@@ -13131,14 +13152,14 @@
           </a:lstStyle>
           <a:p>
             <a:r>
-              <a:rPr lang="en-US" sz="2800" dirty="0"/>
+              <a:rPr lang="en-US" sz="3600" dirty="0"/>
               <a:t>Concept of </a:t>
             </a:r>
             <a:r>
-              <a:rPr lang="en-US" sz="2800" b="1" dirty="0"/>
+              <a:rPr lang="en-US" sz="3600" b="1" dirty="0"/>
               <a:t>Brain Age</a:t>
             </a:r>
-            <a:endParaRPr lang="fr-FR" sz="2800" b="1" dirty="0"/>
+            <a:endParaRPr lang="fr-FR" sz="3600" b="1" dirty="0"/>
           </a:p>
         </p:txBody>
       </p:sp>
@@ -21715,7 +21736,7 @@
           <a:lstStyle/>
           <a:p>
             <a:r>
-              <a:rPr lang="en-US" sz="2800" dirty="0"/>
+              <a:rPr lang="en-US" sz="3600" dirty="0"/>
               <a:t>Can we predict psychiatric scores efficiently ? </a:t>
             </a:r>
           </a:p>
